--- a/MoMc-BlockDiagram.pptx
+++ b/MoMc-BlockDiagram.pptx
@@ -9278,6 +9278,136 @@
           </a:p>
         </p:txBody>
       </p:sp>
+      <p:cxnSp>
+        <p:nvCxnSpPr>
+          <p:cNvPr id="211" name="Elbow Connector 210">
+            <a:extLst>
+              <a:ext uri="{FF2B5EF4-FFF2-40B4-BE49-F238E27FC236}">
+                <a16:creationId xmlns:a16="http://schemas.microsoft.com/office/drawing/2014/main" id="{428B2B5E-7A75-4F49-8AE8-3909097C1756}"/>
+              </a:ext>
+            </a:extLst>
+          </p:cNvPr>
+          <p:cNvCxnSpPr>
+            <a:cxnSpLocks/>
+            <a:endCxn id="210" idx="0"/>
+          </p:cNvCxnSpPr>
+          <p:nvPr/>
+        </p:nvCxnSpPr>
+        <p:spPr>
+          <a:xfrm rot="10800000" flipV="1">
+            <a:off x="1579664" y="1583421"/>
+            <a:ext cx="2412898" cy="1635444"/>
+          </a:xfrm>
+          <a:prstGeom prst="bentConnector2">
+            <a:avLst/>
+          </a:prstGeom>
+          <a:ln w="76200">
+            <a:solidFill>
+              <a:srgbClr val="FF9300"/>
+            </a:solidFill>
+            <a:headEnd type="triangle"/>
+            <a:tailEnd type="triangle"/>
+          </a:ln>
+        </p:spPr>
+        <p:style>
+          <a:lnRef idx="1">
+            <a:schemeClr val="accent1"/>
+          </a:lnRef>
+          <a:fillRef idx="0">
+            <a:schemeClr val="accent1"/>
+          </a:fillRef>
+          <a:effectRef idx="0">
+            <a:schemeClr val="accent1"/>
+          </a:effectRef>
+          <a:fontRef idx="minor">
+            <a:schemeClr val="tx1"/>
+          </a:fontRef>
+        </p:style>
+      </p:cxnSp>
+      <p:sp>
+        <p:nvSpPr>
+          <p:cNvPr id="213" name="TextBox 212">
+            <a:extLst>
+              <a:ext uri="{FF2B5EF4-FFF2-40B4-BE49-F238E27FC236}">
+                <a16:creationId xmlns:a16="http://schemas.microsoft.com/office/drawing/2014/main" id="{2CEDD476-FC26-D44F-8028-A3EA5A83A876}"/>
+              </a:ext>
+            </a:extLst>
+          </p:cNvPr>
+          <p:cNvSpPr txBox="1"/>
+          <p:nvPr/>
+        </p:nvSpPr>
+        <p:spPr>
+          <a:xfrm>
+            <a:off x="2123690" y="2134444"/>
+            <a:ext cx="795984" cy="400110"/>
+          </a:xfrm>
+          <a:prstGeom prst="rect">
+            <a:avLst/>
+          </a:prstGeom>
+          <a:noFill/>
+        </p:spPr>
+        <p:txBody>
+          <a:bodyPr wrap="square" rtlCol="0">
+            <a:spAutoFit/>
+          </a:bodyPr>
+          <a:lstStyle/>
+          <a:p>
+            <a:r>
+              <a:rPr lang="en-US" sz="2000" dirty="0">
+                <a:solidFill>
+                  <a:schemeClr val="bg1">
+                    <a:lumMod val="65000"/>
+                  </a:schemeClr>
+                </a:solidFill>
+                <a:latin typeface="Aharoni" panose="020F0502020204030204" pitchFamily="34" charset="0"/>
+                <a:cs typeface="Aharoni" panose="020F0502020204030204" pitchFamily="34" charset="0"/>
+              </a:rPr>
+              <a:t>or…</a:t>
+            </a:r>
+          </a:p>
+        </p:txBody>
+      </p:sp>
+      <p:sp>
+        <p:nvSpPr>
+          <p:cNvPr id="214" name="TextBox 213">
+            <a:extLst>
+              <a:ext uri="{FF2B5EF4-FFF2-40B4-BE49-F238E27FC236}">
+                <a16:creationId xmlns:a16="http://schemas.microsoft.com/office/drawing/2014/main" id="{A14ED80E-EBCB-934C-A0D2-F9FCE7EA7DDF}"/>
+              </a:ext>
+            </a:extLst>
+          </p:cNvPr>
+          <p:cNvSpPr txBox="1"/>
+          <p:nvPr/>
+        </p:nvSpPr>
+        <p:spPr>
+          <a:xfrm>
+            <a:off x="1690136" y="1684768"/>
+            <a:ext cx="1457103" cy="400110"/>
+          </a:xfrm>
+          <a:prstGeom prst="rect">
+            <a:avLst/>
+          </a:prstGeom>
+          <a:noFill/>
+        </p:spPr>
+        <p:txBody>
+          <a:bodyPr wrap="square" rtlCol="0">
+            <a:spAutoFit/>
+          </a:bodyPr>
+          <a:lstStyle/>
+          <a:p>
+            <a:r>
+              <a:rPr lang="en-US" sz="2000" dirty="0">
+                <a:solidFill>
+                  <a:srgbClr val="FF9300"/>
+                </a:solidFill>
+                <a:latin typeface="Aharoni" panose="020F0502020204030204" pitchFamily="34" charset="0"/>
+                <a:cs typeface="Aharoni" panose="020F0502020204030204" pitchFamily="34" charset="0"/>
+              </a:rPr>
+              <a:t>USB MIDI</a:t>
+            </a:r>
+          </a:p>
+        </p:txBody>
+      </p:sp>
     </p:spTree>
     <p:extLst>
       <p:ext uri="{BB962C8B-B14F-4D97-AF65-F5344CB8AC3E}">
